--- a/DS_Mon_Wed_2019/DS-Day-03 R.pptx
+++ b/DS_Mon_Wed_2019/DS-Day-03 R.pptx
@@ -199,7 +199,7 @@
           <a:p>
             <a:fld id="{22783AA6-C1EF-448D-A48A-EF30DCBEFCCC}" type="datetimeFigureOut">
               <a:rPr lang="en-US" smtClean="0"/>
-              <a:t>9/24/19</a:t>
+              <a:t>9/25/19</a:t>
             </a:fld>
             <a:endParaRPr lang="en-US"/>
           </a:p>
@@ -915,7 +915,7 @@
           <a:p>
             <a:fld id="{C14F4D0B-68E4-4C14-BD4D-319F9BD213A3}" type="datetimeFigureOut">
               <a:rPr lang="ru-RU" smtClean="0"/>
-              <a:t>24.09.2019</a:t>
+              <a:t>25.09.2019</a:t>
             </a:fld>
             <a:endParaRPr lang="ru-RU"/>
           </a:p>
@@ -1085,7 +1085,7 @@
           <a:p>
             <a:fld id="{C14F4D0B-68E4-4C14-BD4D-319F9BD213A3}" type="datetimeFigureOut">
               <a:rPr lang="ru-RU" smtClean="0"/>
-              <a:t>24.09.2019</a:t>
+              <a:t>25.09.2019</a:t>
             </a:fld>
             <a:endParaRPr lang="ru-RU"/>
           </a:p>
@@ -1265,7 +1265,7 @@
           <a:p>
             <a:fld id="{C14F4D0B-68E4-4C14-BD4D-319F9BD213A3}" type="datetimeFigureOut">
               <a:rPr lang="ru-RU" smtClean="0"/>
-              <a:t>24.09.2019</a:t>
+              <a:t>25.09.2019</a:t>
             </a:fld>
             <a:endParaRPr lang="ru-RU"/>
           </a:p>
@@ -1435,7 +1435,7 @@
           <a:p>
             <a:fld id="{C14F4D0B-68E4-4C14-BD4D-319F9BD213A3}" type="datetimeFigureOut">
               <a:rPr lang="ru-RU" smtClean="0"/>
-              <a:t>24.09.2019</a:t>
+              <a:t>25.09.2019</a:t>
             </a:fld>
             <a:endParaRPr lang="ru-RU"/>
           </a:p>
@@ -1686,7 +1686,7 @@
           <a:p>
             <a:fld id="{C14F4D0B-68E4-4C14-BD4D-319F9BD213A3}" type="datetimeFigureOut">
               <a:rPr lang="ru-RU" smtClean="0"/>
-              <a:t>24.09.2019</a:t>
+              <a:t>25.09.2019</a:t>
             </a:fld>
             <a:endParaRPr lang="ru-RU"/>
           </a:p>
@@ -1918,7 +1918,7 @@
           <a:p>
             <a:fld id="{C14F4D0B-68E4-4C14-BD4D-319F9BD213A3}" type="datetimeFigureOut">
               <a:rPr lang="ru-RU" smtClean="0"/>
-              <a:t>24.09.2019</a:t>
+              <a:t>25.09.2019</a:t>
             </a:fld>
             <a:endParaRPr lang="ru-RU"/>
           </a:p>
@@ -2265,7 +2265,7 @@
           <a:p>
             <a:fld id="{C14F4D0B-68E4-4C14-BD4D-319F9BD213A3}" type="datetimeFigureOut">
               <a:rPr lang="ru-RU" smtClean="0"/>
-              <a:t>24.09.2019</a:t>
+              <a:t>25.09.2019</a:t>
             </a:fld>
             <a:endParaRPr lang="ru-RU"/>
           </a:p>
@@ -2383,7 +2383,7 @@
           <a:p>
             <a:fld id="{C14F4D0B-68E4-4C14-BD4D-319F9BD213A3}" type="datetimeFigureOut">
               <a:rPr lang="ru-RU" smtClean="0"/>
-              <a:t>24.09.2019</a:t>
+              <a:t>25.09.2019</a:t>
             </a:fld>
             <a:endParaRPr lang="ru-RU"/>
           </a:p>
@@ -2501,7 +2501,7 @@
           <a:p>
             <a:fld id="{C14F4D0B-68E4-4C14-BD4D-319F9BD213A3}" type="datetimeFigureOut">
               <a:rPr lang="ru-RU" smtClean="0"/>
-              <a:t>24.09.2019</a:t>
+              <a:t>25.09.2019</a:t>
             </a:fld>
             <a:endParaRPr lang="ru-RU"/>
           </a:p>
@@ -2785,7 +2785,7 @@
           <a:p>
             <a:fld id="{C14F4D0B-68E4-4C14-BD4D-319F9BD213A3}" type="datetimeFigureOut">
               <a:rPr lang="ru-RU" smtClean="0"/>
-              <a:t>24.09.2019</a:t>
+              <a:t>25.09.2019</a:t>
             </a:fld>
             <a:endParaRPr lang="ru-RU"/>
           </a:p>
@@ -3049,7 +3049,7 @@
           <a:p>
             <a:fld id="{C14F4D0B-68E4-4C14-BD4D-319F9BD213A3}" type="datetimeFigureOut">
               <a:rPr lang="ru-RU" smtClean="0"/>
-              <a:t>24.09.2019</a:t>
+              <a:t>25.09.2019</a:t>
             </a:fld>
             <a:endParaRPr lang="ru-RU"/>
           </a:p>
@@ -3263,7 +3263,7 @@
           <a:p>
             <a:fld id="{C14F4D0B-68E4-4C14-BD4D-319F9BD213A3}" type="datetimeFigureOut">
               <a:rPr lang="ru-RU" smtClean="0"/>
-              <a:t>24.09.2019</a:t>
+              <a:t>25.09.2019</a:t>
             </a:fld>
             <a:endParaRPr lang="ru-RU"/>
           </a:p>
@@ -3908,13 +3908,13 @@
           <p:nvPr>
             <p:extLst>
               <p:ext uri="{D42A27DB-BD31-4B8C-83A1-F6EECF244321}">
-                <p14:modId xmlns:p14="http://schemas.microsoft.com/office/powerpoint/2010/main" val="2604759211"/>
+                <p14:modId xmlns:p14="http://schemas.microsoft.com/office/powerpoint/2010/main" val="4244439315"/>
               </p:ext>
             </p:extLst>
           </p:nvPr>
         </p:nvGraphicFramePr>
         <p:xfrm>
-          <a:off x="560070" y="2119790"/>
+          <a:off x="560070" y="2108639"/>
           <a:ext cx="7886700" cy="4846320"/>
         </p:xfrm>
         <a:graphic>
@@ -4519,7 +4519,33 @@
                           <a:effectLst/>
                           <a:latin typeface="+mn-lt"/>
                         </a:rPr>
-                        <a:t>spread)</a:t>
+                        <a:t>Spread</a:t>
+                      </a:r>
+                      <a:r>
+                        <a:rPr kumimoji="0" lang="ru-RU" altLang="en-US" sz="1800" b="0" i="0" u="none" strike="noStrike" cap="none" normalizeH="0" baseline="0" dirty="0">
+                          <a:ln>
+                            <a:noFill/>
+                          </a:ln>
+                          <a:solidFill>
+                            <a:srgbClr val="000000"/>
+                          </a:solidFill>
+                          <a:effectLst/>
+                          <a:latin typeface="+mn-lt"/>
+                        </a:rPr>
+                        <a:t>(</a:t>
+                      </a:r>
+                      <a:r>
+                        <a:rPr kumimoji="0" lang="en-US" altLang="en-US" sz="1800" b="0" i="0" u="none" strike="noStrike" cap="none" normalizeH="0" baseline="0" dirty="0">
+                          <a:ln>
+                            <a:noFill/>
+                          </a:ln>
+                          <a:solidFill>
+                            <a:srgbClr val="000000"/>
+                          </a:solidFill>
+                          <a:effectLst/>
+                          <a:latin typeface="+mn-lt"/>
+                        </a:rPr>
+                        <a:t>)</a:t>
                       </a:r>
                       <a:endParaRPr lang="en-US" sz="1800" dirty="0">
                         <a:latin typeface="+mn-lt"/>
